--- a/PCA/ROC_Curve/PCA.pptx
+++ b/PCA/ROC_Curve/PCA.pptx
@@ -201,6 +201,11 @@
               </a:ln>
               <a:effectLst/>
             </c:spPr>
+            <c:extLst>
+              <c:ext xmlns:c16="http://schemas.microsoft.com/office/drawing/2014/chart" uri="{C3380CC4-5D6E-409C-BE32-E72D297353CC}">
+                <c16:uniqueId val="{00000003-6F53-44C4-B1C0-C7724DBCD4BE}"/>
+              </c:ext>
+            </c:extLst>
           </c:dPt>
           <c:cat>
             <c:strRef>
@@ -925,7 +930,7 @@
           <a:p>
             <a:fld id="{DD761540-FBD2-4A4F-A346-B143BECCBE46}" type="datetimeFigureOut">
               <a:rPr lang="ko-KR" altLang="en-US" smtClean="0"/>
-              <a:t>2021-06-03</a:t>
+              <a:t>2021-06-04</a:t>
             </a:fld>
             <a:endParaRPr lang="ko-KR" altLang="en-US"/>
           </a:p>
@@ -1321,7 +1326,7 @@
           <a:p>
             <a:fld id="{891E97B7-EA58-4606-8AEF-85F667A76219}" type="datetimeFigureOut">
               <a:rPr lang="ko-KR" altLang="en-US" smtClean="0"/>
-              <a:t>2021-06-03</a:t>
+              <a:t>2021-06-04</a:t>
             </a:fld>
             <a:endParaRPr lang="ko-KR" altLang="en-US"/>
           </a:p>
@@ -1489,7 +1494,7 @@
           <a:p>
             <a:fld id="{891E97B7-EA58-4606-8AEF-85F667A76219}" type="datetimeFigureOut">
               <a:rPr lang="ko-KR" altLang="en-US" smtClean="0"/>
-              <a:t>2021-06-03</a:t>
+              <a:t>2021-06-04</a:t>
             </a:fld>
             <a:endParaRPr lang="ko-KR" altLang="en-US"/>
           </a:p>
@@ -1667,7 +1672,7 @@
           <a:p>
             <a:fld id="{891E97B7-EA58-4606-8AEF-85F667A76219}" type="datetimeFigureOut">
               <a:rPr lang="ko-KR" altLang="en-US" smtClean="0"/>
-              <a:t>2021-06-03</a:t>
+              <a:t>2021-06-04</a:t>
             </a:fld>
             <a:endParaRPr lang="ko-KR" altLang="en-US"/>
           </a:p>
@@ -1835,7 +1840,7 @@
           <a:p>
             <a:fld id="{891E97B7-EA58-4606-8AEF-85F667A76219}" type="datetimeFigureOut">
               <a:rPr lang="ko-KR" altLang="en-US" smtClean="0"/>
-              <a:t>2021-06-03</a:t>
+              <a:t>2021-06-04</a:t>
             </a:fld>
             <a:endParaRPr lang="ko-KR" altLang="en-US"/>
           </a:p>
@@ -2080,7 +2085,7 @@
           <a:p>
             <a:fld id="{891E97B7-EA58-4606-8AEF-85F667A76219}" type="datetimeFigureOut">
               <a:rPr lang="ko-KR" altLang="en-US" smtClean="0"/>
-              <a:t>2021-06-03</a:t>
+              <a:t>2021-06-04</a:t>
             </a:fld>
             <a:endParaRPr lang="ko-KR" altLang="en-US"/>
           </a:p>
@@ -2309,7 +2314,7 @@
           <a:p>
             <a:fld id="{891E97B7-EA58-4606-8AEF-85F667A76219}" type="datetimeFigureOut">
               <a:rPr lang="ko-KR" altLang="en-US" smtClean="0"/>
-              <a:t>2021-06-03</a:t>
+              <a:t>2021-06-04</a:t>
             </a:fld>
             <a:endParaRPr lang="ko-KR" altLang="en-US"/>
           </a:p>
@@ -2673,7 +2678,7 @@
           <a:p>
             <a:fld id="{891E97B7-EA58-4606-8AEF-85F667A76219}" type="datetimeFigureOut">
               <a:rPr lang="ko-KR" altLang="en-US" smtClean="0"/>
-              <a:t>2021-06-03</a:t>
+              <a:t>2021-06-04</a:t>
             </a:fld>
             <a:endParaRPr lang="ko-KR" altLang="en-US"/>
           </a:p>
@@ -2790,7 +2795,7 @@
           <a:p>
             <a:fld id="{891E97B7-EA58-4606-8AEF-85F667A76219}" type="datetimeFigureOut">
               <a:rPr lang="ko-KR" altLang="en-US" smtClean="0"/>
-              <a:t>2021-06-03</a:t>
+              <a:t>2021-06-04</a:t>
             </a:fld>
             <a:endParaRPr lang="ko-KR" altLang="en-US"/>
           </a:p>
@@ -2885,7 +2890,7 @@
           <a:p>
             <a:fld id="{891E97B7-EA58-4606-8AEF-85F667A76219}" type="datetimeFigureOut">
               <a:rPr lang="ko-KR" altLang="en-US" smtClean="0"/>
-              <a:t>2021-06-03</a:t>
+              <a:t>2021-06-04</a:t>
             </a:fld>
             <a:endParaRPr lang="ko-KR" altLang="en-US"/>
           </a:p>
@@ -3160,7 +3165,7 @@
           <a:p>
             <a:fld id="{891E97B7-EA58-4606-8AEF-85F667A76219}" type="datetimeFigureOut">
               <a:rPr lang="ko-KR" altLang="en-US" smtClean="0"/>
-              <a:t>2021-06-03</a:t>
+              <a:t>2021-06-04</a:t>
             </a:fld>
             <a:endParaRPr lang="ko-KR" altLang="en-US"/>
           </a:p>
@@ -3412,7 +3417,7 @@
           <a:p>
             <a:fld id="{891E97B7-EA58-4606-8AEF-85F667A76219}" type="datetimeFigureOut">
               <a:rPr lang="ko-KR" altLang="en-US" smtClean="0"/>
-              <a:t>2021-06-03</a:t>
+              <a:t>2021-06-04</a:t>
             </a:fld>
             <a:endParaRPr lang="ko-KR" altLang="en-US"/>
           </a:p>
@@ -3623,7 +3628,7 @@
           <a:p>
             <a:fld id="{891E97B7-EA58-4606-8AEF-85F667A76219}" type="datetimeFigureOut">
               <a:rPr lang="ko-KR" altLang="en-US" smtClean="0"/>
-              <a:t>2021-06-03</a:t>
+              <a:t>2021-06-04</a:t>
             </a:fld>
             <a:endParaRPr lang="ko-KR" altLang="en-US"/>
           </a:p>
@@ -5744,23 +5749,6 @@
               </a:rPr>
               <a:t>3</a:t>
             </a:r>
-            <a:endParaRPr lang="en-US" spc="-50" dirty="0">
-              <a:ln>
-                <a:solidFill>
-                  <a:srgbClr val="313540">
-                    <a:alpha val="0"/>
-                  </a:srgbClr>
-                </a:solidFill>
-              </a:ln>
-              <a:solidFill>
-                <a:schemeClr val="accent5">
-                  <a:lumMod val="75000"/>
-                  <a:alpha val="85000"/>
-                </a:schemeClr>
-              </a:solidFill>
-              <a:latin typeface="Noto Sans CJK KR Bold" panose="020B0800000000000000" pitchFamily="34" charset="-127"/>
-              <a:ea typeface="Noto Sans CJK KR Bold" panose="020B0800000000000000" pitchFamily="34" charset="-127"/>
-            </a:endParaRPr>
           </a:p>
         </p:txBody>
       </p:sp>
@@ -6265,20 +6253,7 @@
                 <a:latin typeface="으뜸돋움MR" panose="02000503000000020003" pitchFamily="2" charset="-127"/>
                 <a:ea typeface="으뜸돋움MR" panose="02000503000000020003" pitchFamily="2" charset="-127"/>
               </a:rPr>
-              <a:t>개념</a:t>
-            </a:r>
-            <a:r>
-              <a:rPr lang="ko-KR" altLang="en-US" sz="3200" b="1" kern="0" dirty="0" smtClean="0">
-                <a:ln w="12700">
-                  <a:noFill/>
-                </a:ln>
-                <a:solidFill>
-                  <a:srgbClr val="7C97C2"/>
-                </a:solidFill>
-                <a:latin typeface="으뜸돋움MR" panose="02000503000000020003" pitchFamily="2" charset="-127"/>
-                <a:ea typeface="으뜸돋움MR" panose="02000503000000020003" pitchFamily="2" charset="-127"/>
-              </a:rPr>
-              <a:t> </a:t>
+              <a:t>개념 </a:t>
             </a:r>
           </a:p>
         </p:txBody>
@@ -6471,15 +6446,7 @@
                   <a:schemeClr val="tx1"/>
                 </a:solidFill>
               </a:rPr>
-              <a:t>주성분 </a:t>
-            </a:r>
-            <a:r>
-              <a:rPr lang="ko-KR" altLang="en-US" sz="1100" dirty="0" smtClean="0">
-                <a:solidFill>
-                  <a:schemeClr val="tx1"/>
-                </a:solidFill>
-              </a:rPr>
-              <a:t>찾기</a:t>
+              <a:t>주성분 찾기</a:t>
             </a:r>
             <a:r>
               <a:rPr lang="en-US" altLang="ko-KR" sz="1100" dirty="0" smtClean="0">
@@ -8745,8 +8712,8 @@
           </p:txBody>
         </p:sp>
       </p:grpSp>
-      <mc:AlternateContent xmlns:mc="http://schemas.openxmlformats.org/markup-compatibility/2006">
-        <mc:Choice xmlns:a14="http://schemas.microsoft.com/office/drawing/2010/main" Requires="a14">
+      <mc:AlternateContent xmlns:mc="http://schemas.openxmlformats.org/markup-compatibility/2006" xmlns:a14="http://schemas.microsoft.com/office/drawing/2010/main">
+        <mc:Choice Requires="a14">
           <p:sp>
             <p:nvSpPr>
               <p:cNvPr id="26" name="직사각형 25">
@@ -8999,7 +8966,7 @@
             </p:txBody>
           </p:sp>
         </mc:Choice>
-        <mc:Fallback>
+        <mc:Fallback xmlns="">
           <p:sp>
             <p:nvSpPr>
               <p:cNvPr id="26" name="직사각형 25">
@@ -9453,6 +9420,17 @@
               </a:lnSpc>
             </a:pPr>
             <a:r>
+              <a:rPr lang="ko-KR" altLang="en-US" sz="1200" dirty="0" smtClean="0">
+                <a:solidFill>
+                  <a:schemeClr val="tx1">
+                    <a:lumMod val="75000"/>
+                    <a:lumOff val="25000"/>
+                  </a:schemeClr>
+                </a:solidFill>
+              </a:rPr>
+              <a:t>이미지 </a:t>
+            </a:r>
+            <a:r>
               <a:rPr lang="en-US" altLang="ko-KR" sz="1200" dirty="0" smtClean="0">
                 <a:solidFill>
                   <a:schemeClr val="tx1">
@@ -9461,7 +9439,7 @@
                   </a:schemeClr>
                 </a:solidFill>
               </a:rPr>
-              <a:t>8</a:t>
+              <a:t>50</a:t>
             </a:r>
             <a:r>
               <a:rPr lang="ko-KR" altLang="en-US" sz="1200" dirty="0" smtClean="0">
@@ -9472,7 +9450,7 @@
                   </a:schemeClr>
                 </a:solidFill>
               </a:rPr>
-              <a:t>몇일</a:t>
+              <a:t>장</a:t>
             </a:r>
             <a:endParaRPr lang="en-US" altLang="ko-KR" sz="1200" dirty="0">
               <a:solidFill>
@@ -13280,7 +13258,7 @@
                 <a14:useLocalDpi xmlns:a14="http://schemas.microsoft.com/office/drawing/2010/main" val="0"/>
               </a:ext>
               <a:ext uri="{96DAC541-7B7A-43D3-8B79-37D633B846F1}">
-                <asvg:svgBlip xmlns:asvg="http://schemas.microsoft.com/office/drawing/2016/SVG/main" xmlns="" r:embed="rId3"/>
+                <asvg:svgBlip xmlns="" xmlns:asvg="http://schemas.microsoft.com/office/drawing/2016/SVG/main" r:embed="rId3"/>
               </a:ext>
             </a:extLst>
           </a:blip>
@@ -13319,7 +13297,7 @@
                 <a14:useLocalDpi xmlns:a14="http://schemas.microsoft.com/office/drawing/2010/main" val="0"/>
               </a:ext>
               <a:ext uri="{96DAC541-7B7A-43D3-8B79-37D633B846F1}">
-                <asvg:svgBlip xmlns:asvg="http://schemas.microsoft.com/office/drawing/2016/SVG/main" xmlns="" r:embed="rId3"/>
+                <asvg:svgBlip xmlns="" xmlns:asvg="http://schemas.microsoft.com/office/drawing/2016/SVG/main" r:embed="rId3"/>
               </a:ext>
             </a:extLst>
           </a:blip>
@@ -13358,7 +13336,7 @@
                 <a14:useLocalDpi xmlns:a14="http://schemas.microsoft.com/office/drawing/2010/main" val="0"/>
               </a:ext>
               <a:ext uri="{96DAC541-7B7A-43D3-8B79-37D633B846F1}">
-                <asvg:svgBlip xmlns:asvg="http://schemas.microsoft.com/office/drawing/2016/SVG/main" xmlns="" r:embed="rId3"/>
+                <asvg:svgBlip xmlns="" xmlns:asvg="http://schemas.microsoft.com/office/drawing/2016/SVG/main" r:embed="rId3"/>
               </a:ext>
             </a:extLst>
           </a:blip>
@@ -13397,7 +13375,7 @@
                 <a14:useLocalDpi xmlns:a14="http://schemas.microsoft.com/office/drawing/2010/main" val="0"/>
               </a:ext>
               <a:ext uri="{96DAC541-7B7A-43D3-8B79-37D633B846F1}">
-                <asvg:svgBlip xmlns:asvg="http://schemas.microsoft.com/office/drawing/2016/SVG/main" xmlns="" r:embed="rId3"/>
+                <asvg:svgBlip xmlns="" xmlns:asvg="http://schemas.microsoft.com/office/drawing/2016/SVG/main" r:embed="rId3"/>
               </a:ext>
             </a:extLst>
           </a:blip>
@@ -13436,7 +13414,7 @@
                 <a14:useLocalDpi xmlns:a14="http://schemas.microsoft.com/office/drawing/2010/main" val="0"/>
               </a:ext>
               <a:ext uri="{96DAC541-7B7A-43D3-8B79-37D633B846F1}">
-                <asvg:svgBlip xmlns:asvg="http://schemas.microsoft.com/office/drawing/2016/SVG/main" xmlns="" r:embed="rId3"/>
+                <asvg:svgBlip xmlns="" xmlns:asvg="http://schemas.microsoft.com/office/drawing/2016/SVG/main" r:embed="rId3"/>
               </a:ext>
             </a:extLst>
           </a:blip>
